--- a/c#/rotto/로또 프로그램 만들기.pptx
+++ b/c#/rotto/로또 프로그램 만들기.pptx
@@ -111,6 +111,11 @@
       </a:defRPr>
     </a:lvl9pPr>
   </p:defaultTextStyle>
+  <p:extLst>
+    <p:ext uri="{EFAFB233-063F-42B5-8137-9DF3F51BA10A}">
+      <p15:sldGuideLst xmlns:p15="http://schemas.microsoft.com/office/powerpoint/2012/main"/>
+    </p:ext>
+  </p:extLst>
 </p:presentation>
 </file>
 
@@ -305,7 +310,7 @@
           <a:p>
             <a:fld id="{4ED668BD-AF62-45B4-AB06-AD3FD32763FF}" type="datetimeFigureOut">
               <a:rPr lang="ko-KR" altLang="en-US" smtClean="0"/>
-              <a:t>2021-04-09</a:t>
+              <a:t>2021-04-12</a:t>
             </a:fld>
             <a:endParaRPr lang="ko-KR" altLang="en-US"/>
           </a:p>
@@ -741,7 +746,7 @@
           <a:p>
             <a:fld id="{4ED668BD-AF62-45B4-AB06-AD3FD32763FF}" type="datetimeFigureOut">
               <a:rPr lang="ko-KR" altLang="en-US" smtClean="0"/>
-              <a:t>2021-04-09</a:t>
+              <a:t>2021-04-12</a:t>
             </a:fld>
             <a:endParaRPr lang="ko-KR" altLang="en-US"/>
           </a:p>
@@ -991,7 +996,7 @@
           <a:p>
             <a:fld id="{4ED668BD-AF62-45B4-AB06-AD3FD32763FF}" type="datetimeFigureOut">
               <a:rPr lang="ko-KR" altLang="en-US" smtClean="0"/>
-              <a:t>2021-04-09</a:t>
+              <a:t>2021-04-12</a:t>
             </a:fld>
             <a:endParaRPr lang="ko-KR" altLang="en-US"/>
           </a:p>
@@ -1299,7 +1304,7 @@
           <a:p>
             <a:fld id="{4ED668BD-AF62-45B4-AB06-AD3FD32763FF}" type="datetimeFigureOut">
               <a:rPr lang="ko-KR" altLang="en-US" smtClean="0"/>
-              <a:t>2021-04-09</a:t>
+              <a:t>2021-04-12</a:t>
             </a:fld>
             <a:endParaRPr lang="ko-KR" altLang="en-US"/>
           </a:p>
@@ -1617,7 +1622,7 @@
           <a:p>
             <a:fld id="{4ED668BD-AF62-45B4-AB06-AD3FD32763FF}" type="datetimeFigureOut">
               <a:rPr lang="ko-KR" altLang="en-US" smtClean="0"/>
-              <a:t>2021-04-09</a:t>
+              <a:t>2021-04-12</a:t>
             </a:fld>
             <a:endParaRPr lang="ko-KR" altLang="en-US"/>
           </a:p>
@@ -1919,7 +1924,7 @@
           <a:p>
             <a:fld id="{4ED668BD-AF62-45B4-AB06-AD3FD32763FF}" type="datetimeFigureOut">
               <a:rPr lang="ko-KR" altLang="en-US" smtClean="0"/>
-              <a:t>2021-04-09</a:t>
+              <a:t>2021-04-12</a:t>
             </a:fld>
             <a:endParaRPr lang="ko-KR" altLang="en-US"/>
           </a:p>
@@ -2286,7 +2291,7 @@
           <a:p>
             <a:fld id="{4ED668BD-AF62-45B4-AB06-AD3FD32763FF}" type="datetimeFigureOut">
               <a:rPr lang="ko-KR" altLang="en-US" smtClean="0"/>
-              <a:t>2021-04-09</a:t>
+              <a:t>2021-04-12</a:t>
             </a:fld>
             <a:endParaRPr lang="ko-KR" altLang="en-US"/>
           </a:p>
@@ -2460,7 +2465,7 @@
           <a:p>
             <a:fld id="{4ED668BD-AF62-45B4-AB06-AD3FD32763FF}" type="datetimeFigureOut">
               <a:rPr lang="ko-KR" altLang="en-US" smtClean="0"/>
-              <a:t>2021-04-09</a:t>
+              <a:t>2021-04-12</a:t>
             </a:fld>
             <a:endParaRPr lang="ko-KR" altLang="en-US"/>
           </a:p>
@@ -2640,7 +2645,7 @@
           <a:p>
             <a:fld id="{4ED668BD-AF62-45B4-AB06-AD3FD32763FF}" type="datetimeFigureOut">
               <a:rPr lang="ko-KR" altLang="en-US" smtClean="0"/>
-              <a:t>2021-04-09</a:t>
+              <a:t>2021-04-12</a:t>
             </a:fld>
             <a:endParaRPr lang="ko-KR" altLang="en-US"/>
           </a:p>
@@ -2810,7 +2815,7 @@
           <a:p>
             <a:fld id="{4ED668BD-AF62-45B4-AB06-AD3FD32763FF}" type="datetimeFigureOut">
               <a:rPr lang="ko-KR" altLang="en-US" smtClean="0"/>
-              <a:t>2021-04-09</a:t>
+              <a:t>2021-04-12</a:t>
             </a:fld>
             <a:endParaRPr lang="ko-KR" altLang="en-US"/>
           </a:p>
@@ -3060,7 +3065,7 @@
           <a:p>
             <a:fld id="{4ED668BD-AF62-45B4-AB06-AD3FD32763FF}" type="datetimeFigureOut">
               <a:rPr lang="ko-KR" altLang="en-US" smtClean="0"/>
-              <a:t>2021-04-09</a:t>
+              <a:t>2021-04-12</a:t>
             </a:fld>
             <a:endParaRPr lang="ko-KR" altLang="en-US"/>
           </a:p>
@@ -3296,7 +3301,7 @@
           <a:p>
             <a:fld id="{4ED668BD-AF62-45B4-AB06-AD3FD32763FF}" type="datetimeFigureOut">
               <a:rPr lang="ko-KR" altLang="en-US" smtClean="0"/>
-              <a:t>2021-04-09</a:t>
+              <a:t>2021-04-12</a:t>
             </a:fld>
             <a:endParaRPr lang="ko-KR" altLang="en-US"/>
           </a:p>
@@ -3678,7 +3683,7 @@
           <a:p>
             <a:fld id="{4ED668BD-AF62-45B4-AB06-AD3FD32763FF}" type="datetimeFigureOut">
               <a:rPr lang="ko-KR" altLang="en-US" smtClean="0"/>
-              <a:t>2021-04-09</a:t>
+              <a:t>2021-04-12</a:t>
             </a:fld>
             <a:endParaRPr lang="ko-KR" altLang="en-US"/>
           </a:p>
@@ -3796,7 +3801,7 @@
           <a:p>
             <a:fld id="{4ED668BD-AF62-45B4-AB06-AD3FD32763FF}" type="datetimeFigureOut">
               <a:rPr lang="ko-KR" altLang="en-US" smtClean="0"/>
-              <a:t>2021-04-09</a:t>
+              <a:t>2021-04-12</a:t>
             </a:fld>
             <a:endParaRPr lang="ko-KR" altLang="en-US"/>
           </a:p>
@@ -3891,7 +3896,7 @@
           <a:p>
             <a:fld id="{4ED668BD-AF62-45B4-AB06-AD3FD32763FF}" type="datetimeFigureOut">
               <a:rPr lang="ko-KR" altLang="en-US" smtClean="0"/>
-              <a:t>2021-04-09</a:t>
+              <a:t>2021-04-12</a:t>
             </a:fld>
             <a:endParaRPr lang="ko-KR" altLang="en-US"/>
           </a:p>
@@ -4146,7 +4151,7 @@
           <a:p>
             <a:fld id="{4ED668BD-AF62-45B4-AB06-AD3FD32763FF}" type="datetimeFigureOut">
               <a:rPr lang="ko-KR" altLang="en-US" smtClean="0"/>
-              <a:t>2021-04-09</a:t>
+              <a:t>2021-04-12</a:t>
             </a:fld>
             <a:endParaRPr lang="ko-KR" altLang="en-US"/>
           </a:p>
@@ -4429,7 +4434,7 @@
           <a:p>
             <a:fld id="{4ED668BD-AF62-45B4-AB06-AD3FD32763FF}" type="datetimeFigureOut">
               <a:rPr lang="ko-KR" altLang="en-US" smtClean="0"/>
-              <a:t>2021-04-09</a:t>
+              <a:t>2021-04-12</a:t>
             </a:fld>
             <a:endParaRPr lang="ko-KR" altLang="en-US"/>
           </a:p>
@@ -4835,7 +4840,7 @@
           <a:p>
             <a:fld id="{4ED668BD-AF62-45B4-AB06-AD3FD32763FF}" type="datetimeFigureOut">
               <a:rPr lang="ko-KR" altLang="en-US" smtClean="0"/>
-              <a:t>2021-04-09</a:t>
+              <a:t>2021-04-12</a:t>
             </a:fld>
             <a:endParaRPr lang="ko-KR" altLang="en-US"/>
           </a:p>
@@ -5650,12 +5655,12 @@
               <a:t>개 뽑고 </a:t>
             </a:r>
             <a:r>
-              <a:rPr lang="ko-KR" altLang="en-US" sz="2800" dirty="0" err="1" smtClean="0"/>
-              <a:t>보나스</a:t>
-            </a:r>
-            <a:r>
               <a:rPr lang="ko-KR" altLang="en-US" sz="2800" dirty="0" smtClean="0"/>
-              <a:t> 번호를 한번 더 뽑는 방식이다</a:t>
+              <a:t>보너스 </a:t>
+            </a:r>
+            <a:r>
+              <a:rPr lang="ko-KR" altLang="en-US" sz="2800" dirty="0" smtClean="0"/>
+              <a:t>번호를 한번 더 뽑는 방식이다</a:t>
             </a:r>
             <a:r>
               <a:rPr lang="en-US" altLang="ko-KR" sz="2800" dirty="0" smtClean="0"/>
@@ -5706,12 +5711,12 @@
               <a:t>등을 하나가 틀리고 </a:t>
             </a:r>
             <a:r>
-              <a:rPr lang="ko-KR" altLang="en-US" sz="2800" dirty="0" err="1" smtClean="0"/>
-              <a:t>보나스</a:t>
-            </a:r>
-            <a:r>
               <a:rPr lang="ko-KR" altLang="en-US" sz="2800" dirty="0" smtClean="0"/>
-              <a:t> 번호가 </a:t>
+              <a:t>보너스 </a:t>
+            </a:r>
+            <a:r>
+              <a:rPr lang="ko-KR" altLang="en-US" sz="2800" dirty="0" smtClean="0"/>
+              <a:t>번호가 </a:t>
             </a:r>
             <a:r>
               <a:rPr lang="ko-KR" altLang="en-US" sz="2800" dirty="0" err="1" smtClean="0"/>
@@ -8864,7 +8869,7 @@
       </p:sp>
       <p:pic>
         <p:nvPicPr>
-          <p:cNvPr id="4" name="그림 3"/>
+          <p:cNvPr id="5" name="그림 4"/>
           <p:cNvPicPr>
             <a:picLocks noChangeAspect="1"/>
           </p:cNvPicPr>
@@ -8878,8 +8883,8 @@
         </p:blipFill>
         <p:spPr>
           <a:xfrm>
-            <a:off x="5340019" y="1137968"/>
-            <a:ext cx="6296904" cy="4801270"/>
+            <a:off x="5086474" y="1200025"/>
+            <a:ext cx="6667723" cy="4956530"/>
           </a:xfrm>
           <a:prstGeom prst="rect">
             <a:avLst/>
@@ -8966,30 +8971,6 @@
           </a:p>
         </p:txBody>
       </p:sp>
-      <p:pic>
-        <p:nvPicPr>
-          <p:cNvPr id="3" name="그림 2"/>
-          <p:cNvPicPr>
-            <a:picLocks noChangeAspect="1"/>
-          </p:cNvPicPr>
-          <p:nvPr/>
-        </p:nvPicPr>
-        <p:blipFill>
-          <a:blip r:embed="rId2"/>
-          <a:stretch>
-            <a:fillRect/>
-          </a:stretch>
-        </p:blipFill>
-        <p:spPr>
-          <a:xfrm>
-            <a:off x="713985" y="1854319"/>
-            <a:ext cx="4807256" cy="4083019"/>
-          </a:xfrm>
-          <a:prstGeom prst="rect">
-            <a:avLst/>
-          </a:prstGeom>
-        </p:spPr>
-      </p:pic>
       <p:sp>
         <p:nvSpPr>
           <p:cNvPr id="4" name="직사각형 3"/>
@@ -9049,6 +9030,30 @@
           <p:nvPr/>
         </p:nvPicPr>
         <p:blipFill>
+          <a:blip r:embed="rId2"/>
+          <a:stretch>
+            <a:fillRect/>
+          </a:stretch>
+        </p:blipFill>
+        <p:spPr>
+          <a:xfrm>
+            <a:off x="6774640" y="1854319"/>
+            <a:ext cx="4429743" cy="2775037"/>
+          </a:xfrm>
+          <a:prstGeom prst="rect">
+            <a:avLst/>
+          </a:prstGeom>
+        </p:spPr>
+      </p:pic>
+      <p:pic>
+        <p:nvPicPr>
+          <p:cNvPr id="6" name="그림 5"/>
+          <p:cNvPicPr>
+            <a:picLocks noChangeAspect="1"/>
+          </p:cNvPicPr>
+          <p:nvPr/>
+        </p:nvPicPr>
+        <p:blipFill>
           <a:blip r:embed="rId3"/>
           <a:stretch>
             <a:fillRect/>
@@ -9056,8 +9061,8 @@
         </p:blipFill>
         <p:spPr>
           <a:xfrm>
-            <a:off x="6774640" y="1854319"/>
-            <a:ext cx="4429743" cy="2775037"/>
+            <a:off x="6774641" y="4965652"/>
+            <a:ext cx="4429743" cy="971686"/>
           </a:xfrm>
           <a:prstGeom prst="rect">
             <a:avLst/>
@@ -9066,7 +9071,7 @@
       </p:pic>
       <p:pic>
         <p:nvPicPr>
-          <p:cNvPr id="6" name="그림 5"/>
+          <p:cNvPr id="3" name="그림 2"/>
           <p:cNvPicPr>
             <a:picLocks noChangeAspect="1"/>
           </p:cNvPicPr>
@@ -9080,8 +9085,8 @@
         </p:blipFill>
         <p:spPr>
           <a:xfrm>
-            <a:off x="6774641" y="4965652"/>
-            <a:ext cx="4429743" cy="971686"/>
+            <a:off x="713985" y="1854319"/>
+            <a:ext cx="4807256" cy="4083019"/>
           </a:xfrm>
           <a:prstGeom prst="rect">
             <a:avLst/>
